--- a/flowchart 20180521.pptx
+++ b/flowchart 20180521.pptx
@@ -109,7 +109,7 @@
   </p:defaultTextStyle>
   <p:extLst>
     <p:ext uri="{EFAFB233-063F-42B5-8137-9DF3F51BA10A}">
-      <p15:sldGuideLst xmlns:p15="http://schemas.microsoft.com/office/powerpoint/2012/main"/>
+      <p15:sldGuideLst xmlns:p15="http://schemas.microsoft.com/office/powerpoint/2012/main" xmlns=""/>
     </p:ext>
   </p:extLst>
 </p:presentation>
@@ -246,7 +246,7 @@
           <a:p>
             <a:fld id="{4B211831-2825-45D5-96F2-286AD9200F5B}" type="datetimeFigureOut">
               <a:rPr lang="zh-TW" altLang="en-US" smtClean="0"/>
-              <a:t>2018/5/21</a:t>
+              <a:t>2018/6/1</a:t>
             </a:fld>
             <a:endParaRPr lang="zh-TW" altLang="en-US"/>
           </a:p>
@@ -416,7 +416,7 @@
           <a:p>
             <a:fld id="{4B211831-2825-45D5-96F2-286AD9200F5B}" type="datetimeFigureOut">
               <a:rPr lang="zh-TW" altLang="en-US" smtClean="0"/>
-              <a:t>2018/5/21</a:t>
+              <a:t>2018/6/1</a:t>
             </a:fld>
             <a:endParaRPr lang="zh-TW" altLang="en-US"/>
           </a:p>
@@ -596,7 +596,7 @@
           <a:p>
             <a:fld id="{4B211831-2825-45D5-96F2-286AD9200F5B}" type="datetimeFigureOut">
               <a:rPr lang="zh-TW" altLang="en-US" smtClean="0"/>
-              <a:t>2018/5/21</a:t>
+              <a:t>2018/6/1</a:t>
             </a:fld>
             <a:endParaRPr lang="zh-TW" altLang="en-US"/>
           </a:p>
@@ -766,7 +766,7 @@
           <a:p>
             <a:fld id="{4B211831-2825-45D5-96F2-286AD9200F5B}" type="datetimeFigureOut">
               <a:rPr lang="zh-TW" altLang="en-US" smtClean="0"/>
-              <a:t>2018/5/21</a:t>
+              <a:t>2018/6/1</a:t>
             </a:fld>
             <a:endParaRPr lang="zh-TW" altLang="en-US"/>
           </a:p>
@@ -1012,7 +1012,7 @@
           <a:p>
             <a:fld id="{4B211831-2825-45D5-96F2-286AD9200F5B}" type="datetimeFigureOut">
               <a:rPr lang="zh-TW" altLang="en-US" smtClean="0"/>
-              <a:t>2018/5/21</a:t>
+              <a:t>2018/6/1</a:t>
             </a:fld>
             <a:endParaRPr lang="zh-TW" altLang="en-US"/>
           </a:p>
@@ -1244,7 +1244,7 @@
           <a:p>
             <a:fld id="{4B211831-2825-45D5-96F2-286AD9200F5B}" type="datetimeFigureOut">
               <a:rPr lang="zh-TW" altLang="en-US" smtClean="0"/>
-              <a:t>2018/5/21</a:t>
+              <a:t>2018/6/1</a:t>
             </a:fld>
             <a:endParaRPr lang="zh-TW" altLang="en-US"/>
           </a:p>
@@ -1611,7 +1611,7 @@
           <a:p>
             <a:fld id="{4B211831-2825-45D5-96F2-286AD9200F5B}" type="datetimeFigureOut">
               <a:rPr lang="zh-TW" altLang="en-US" smtClean="0"/>
-              <a:t>2018/5/21</a:t>
+              <a:t>2018/6/1</a:t>
             </a:fld>
             <a:endParaRPr lang="zh-TW" altLang="en-US"/>
           </a:p>
@@ -1729,7 +1729,7 @@
           <a:p>
             <a:fld id="{4B211831-2825-45D5-96F2-286AD9200F5B}" type="datetimeFigureOut">
               <a:rPr lang="zh-TW" altLang="en-US" smtClean="0"/>
-              <a:t>2018/5/21</a:t>
+              <a:t>2018/6/1</a:t>
             </a:fld>
             <a:endParaRPr lang="zh-TW" altLang="en-US"/>
           </a:p>
@@ -1824,7 +1824,7 @@
           <a:p>
             <a:fld id="{4B211831-2825-45D5-96F2-286AD9200F5B}" type="datetimeFigureOut">
               <a:rPr lang="zh-TW" altLang="en-US" smtClean="0"/>
-              <a:t>2018/5/21</a:t>
+              <a:t>2018/6/1</a:t>
             </a:fld>
             <a:endParaRPr lang="zh-TW" altLang="en-US"/>
           </a:p>
@@ -2101,7 +2101,7 @@
           <a:p>
             <a:fld id="{4B211831-2825-45D5-96F2-286AD9200F5B}" type="datetimeFigureOut">
               <a:rPr lang="zh-TW" altLang="en-US" smtClean="0"/>
-              <a:t>2018/5/21</a:t>
+              <a:t>2018/6/1</a:t>
             </a:fld>
             <a:endParaRPr lang="zh-TW" altLang="en-US"/>
           </a:p>
@@ -2354,7 +2354,7 @@
           <a:p>
             <a:fld id="{4B211831-2825-45D5-96F2-286AD9200F5B}" type="datetimeFigureOut">
               <a:rPr lang="zh-TW" altLang="en-US" smtClean="0"/>
-              <a:t>2018/5/21</a:t>
+              <a:t>2018/6/1</a:t>
             </a:fld>
             <a:endParaRPr lang="zh-TW" altLang="en-US"/>
           </a:p>
@@ -2567,7 +2567,7 @@
           <a:p>
             <a:fld id="{4B211831-2825-45D5-96F2-286AD9200F5B}" type="datetimeFigureOut">
               <a:rPr lang="zh-TW" altLang="en-US" smtClean="0"/>
-              <a:t>2018/5/21</a:t>
+              <a:t>2018/6/1</a:t>
             </a:fld>
             <a:endParaRPr lang="zh-TW" altLang="en-US"/>
           </a:p>
@@ -2989,7 +2989,7 @@
           <a:p>
             <a:r>
               <a:rPr lang="en-US" altLang="zh-TW" dirty="0" smtClean="0"/>
-              <a:t>PPT</a:t>
+              <a:t>PTT</a:t>
             </a:r>
             <a:r>
               <a:rPr lang="zh-TW" altLang="en-US" dirty="0" smtClean="0"/>
@@ -3180,9 +3180,10 @@
           <a:p>
             <a:pPr algn="ctr"/>
             <a:r>
-              <a:rPr lang="en-US" altLang="zh-TW" dirty="0" smtClean="0"/>
-              <a:t>PPT</a:t>
-            </a:r>
+              <a:rPr lang="en-US" altLang="zh-TW" smtClean="0"/>
+              <a:t>PTT</a:t>
+            </a:r>
+            <a:endParaRPr lang="en-US" altLang="zh-TW" dirty="0" smtClean="0"/>
           </a:p>
         </p:txBody>
       </p:sp>
@@ -4659,7 +4660,6 @@
               <a:rPr lang="en-US" altLang="zh-TW" dirty="0" smtClean="0"/>
               <a:t>Good info.</a:t>
             </a:r>
-            <a:endParaRPr lang="en-US" altLang="zh-TW" dirty="0" smtClean="0"/>
           </a:p>
         </p:txBody>
       </p:sp>
@@ -4696,14 +4696,6 @@
               </a:rPr>
               <a:t>Get_value.java</a:t>
             </a:r>
-            <a:endParaRPr lang="en-US" altLang="zh-TW" sz="1400" dirty="0" smtClean="0">
-              <a:solidFill>
-                <a:schemeClr val="accent6">
-                  <a:lumMod val="60000"/>
-                  <a:lumOff val="40000"/>
-                </a:schemeClr>
-              </a:solidFill>
-            </a:endParaRPr>
           </a:p>
         </p:txBody>
       </p:sp>
@@ -5202,7 +5194,7 @@
   <a:extraClrSchemeLst/>
   <a:extLst>
     <a:ext uri="{05A4C25C-085E-4340-85A3-A5531E510DB2}">
-      <thm15:themeFamily xmlns:thm15="http://schemas.microsoft.com/office/thememl/2012/main" name="Office Theme" id="{62F939B6-93AF-4DB8-9C6B-D6C7DFDC589F}" vid="{4A3C46E8-61CC-4603-A589-7422A47A8E4A}"/>
+      <thm15:themeFamily xmlns:thm15="http://schemas.microsoft.com/office/thememl/2012/main" xmlns="" name="Office Theme" id="{62F939B6-93AF-4DB8-9C6B-D6C7DFDC589F}" vid="{4A3C46E8-61CC-4603-A589-7422A47A8E4A}"/>
     </a:ext>
   </a:extLst>
 </a:theme>
